--- a/slides/priority_queue.pptx
+++ b/slides/priority_queue.pptx
@@ -5,7 +5,7 @@
     <p:sldMasterId id="2147483648" r:id="rId1"/>
   </p:sldMasterIdLst>
   <p:notesMasterIdLst>
-    <p:notesMasterId r:id="rId18"/>
+    <p:notesMasterId r:id="rId17"/>
   </p:notesMasterIdLst>
   <p:sldIdLst>
     <p:sldId id="613" r:id="rId2"/>
@@ -15,15 +15,14 @@
     <p:sldId id="1539" r:id="rId6"/>
     <p:sldId id="1536" r:id="rId7"/>
     <p:sldId id="1537" r:id="rId8"/>
-    <p:sldId id="1538" r:id="rId9"/>
-    <p:sldId id="1540" r:id="rId10"/>
-    <p:sldId id="1552" r:id="rId11"/>
-    <p:sldId id="1543" r:id="rId12"/>
-    <p:sldId id="1554" r:id="rId13"/>
-    <p:sldId id="1551" r:id="rId14"/>
-    <p:sldId id="1544" r:id="rId15"/>
-    <p:sldId id="1548" r:id="rId16"/>
-    <p:sldId id="1553" r:id="rId17"/>
+    <p:sldId id="1540" r:id="rId9"/>
+    <p:sldId id="1552" r:id="rId10"/>
+    <p:sldId id="1543" r:id="rId11"/>
+    <p:sldId id="1554" r:id="rId12"/>
+    <p:sldId id="1551" r:id="rId13"/>
+    <p:sldId id="1544" r:id="rId14"/>
+    <p:sldId id="1548" r:id="rId15"/>
+    <p:sldId id="1553" r:id="rId16"/>
   </p:sldIdLst>
   <p:sldSz cx="12192000" cy="6858000"/>
   <p:notesSz cx="6858000" cy="9144000"/>
@@ -215,7 +214,7 @@
           <a:p>
             <a:fld id="{6BA546CD-0611-7545-8F55-072F0299D807}" type="datetimeFigureOut">
               <a:rPr lang="en-US" smtClean="0"/>
-              <a:t>8/26/2021</a:t>
+              <a:t>10/31/21</a:t>
             </a:fld>
             <a:endParaRPr lang="en-US"/>
           </a:p>
@@ -585,7 +584,7 @@
       </p:grpSpPr>
       <p:sp>
         <p:nvSpPr>
-          <p:cNvPr id="32770" name="Slide Image Placeholder 1"/>
+          <p:cNvPr id="33794" name="Slide Image Placeholder 1"/>
           <p:cNvSpPr>
             <a:spLocks noGrp="1" noRot="1" noChangeAspect="1" noTextEdit="1"/>
           </p:cNvSpPr>
@@ -616,7 +615,7 @@
       </p:sp>
       <p:sp>
         <p:nvSpPr>
-          <p:cNvPr id="32771" name="Notes Placeholder 2"/>
+          <p:cNvPr id="33795" name="Notes Placeholder 2"/>
           <p:cNvSpPr>
             <a:spLocks noGrp="1"/>
           </p:cNvSpPr>
@@ -676,7 +675,7 @@
             <a:pPr>
               <a:defRPr/>
             </a:pPr>
-            <a:fld id="{9F322468-802F-4835-B254-76250B8CB95E}" type="slidenum">
+            <a:fld id="{5113805E-B062-48D6-AD8F-7B82D0FC3B62}" type="slidenum">
               <a:rPr lang="en-CA" smtClean="0"/>
               <a:pPr>
                 <a:defRPr/>
@@ -714,7 +713,7 @@
       </p:grpSpPr>
       <p:sp>
         <p:nvSpPr>
-          <p:cNvPr id="33794" name="Slide Image Placeholder 1"/>
+          <p:cNvPr id="34818" name="Slide Image Placeholder 1"/>
           <p:cNvSpPr>
             <a:spLocks noGrp="1" noRot="1" noChangeAspect="1" noTextEdit="1"/>
           </p:cNvSpPr>
@@ -745,7 +744,7 @@
       </p:sp>
       <p:sp>
         <p:nvSpPr>
-          <p:cNvPr id="33795" name="Notes Placeholder 2"/>
+          <p:cNvPr id="34819" name="Notes Placeholder 2"/>
           <p:cNvSpPr>
             <a:spLocks noGrp="1"/>
           </p:cNvSpPr>
@@ -805,7 +804,7 @@
             <a:pPr>
               <a:defRPr/>
             </a:pPr>
-            <a:fld id="{5113805E-B062-48D6-AD8F-7B82D0FC3B62}" type="slidenum">
+            <a:fld id="{7BDA4D1B-34CB-4D27-A358-DF6E4629BA77}" type="slidenum">
               <a:rPr lang="en-CA" smtClean="0"/>
               <a:pPr>
                 <a:defRPr/>
@@ -843,7 +842,7 @@
       </p:grpSpPr>
       <p:sp>
         <p:nvSpPr>
-          <p:cNvPr id="34818" name="Slide Image Placeholder 1"/>
+          <p:cNvPr id="35842" name="Slide Image Placeholder 1"/>
           <p:cNvSpPr>
             <a:spLocks noGrp="1" noRot="1" noChangeAspect="1" noTextEdit="1"/>
           </p:cNvSpPr>
@@ -874,7 +873,7 @@
       </p:sp>
       <p:sp>
         <p:nvSpPr>
-          <p:cNvPr id="34819" name="Notes Placeholder 2"/>
+          <p:cNvPr id="35843" name="Notes Placeholder 2"/>
           <p:cNvSpPr>
             <a:spLocks noGrp="1"/>
           </p:cNvSpPr>
@@ -934,7 +933,7 @@
             <a:pPr>
               <a:defRPr/>
             </a:pPr>
-            <a:fld id="{7BDA4D1B-34CB-4D27-A358-DF6E4629BA77}" type="slidenum">
+            <a:fld id="{307B1437-74A0-462D-9F41-FE0EC413A338}" type="slidenum">
               <a:rPr lang="en-CA" smtClean="0"/>
               <a:pPr>
                 <a:defRPr/>
@@ -972,7 +971,7 @@
       </p:grpSpPr>
       <p:sp>
         <p:nvSpPr>
-          <p:cNvPr id="35842" name="Slide Image Placeholder 1"/>
+          <p:cNvPr id="36866" name="Slide Image Placeholder 1"/>
           <p:cNvSpPr>
             <a:spLocks noGrp="1" noRot="1" noChangeAspect="1" noTextEdit="1"/>
           </p:cNvSpPr>
@@ -1003,7 +1002,7 @@
       </p:sp>
       <p:sp>
         <p:nvSpPr>
-          <p:cNvPr id="35843" name="Notes Placeholder 2"/>
+          <p:cNvPr id="36867" name="Notes Placeholder 2"/>
           <p:cNvSpPr>
             <a:spLocks noGrp="1"/>
           </p:cNvSpPr>
@@ -1063,7 +1062,7 @@
             <a:pPr>
               <a:defRPr/>
             </a:pPr>
-            <a:fld id="{307B1437-74A0-462D-9F41-FE0EC413A338}" type="slidenum">
+            <a:fld id="{4A0CFEE7-22F5-4720-8644-864E50D3AC1D}" type="slidenum">
               <a:rPr lang="en-CA" smtClean="0"/>
               <a:pPr>
                 <a:defRPr/>
@@ -1101,7 +1100,7 @@
       </p:grpSpPr>
       <p:sp>
         <p:nvSpPr>
-          <p:cNvPr id="36866" name="Slide Image Placeholder 1"/>
+          <p:cNvPr id="37890" name="Slide Image Placeholder 1"/>
           <p:cNvSpPr>
             <a:spLocks noGrp="1" noRot="1" noChangeAspect="1" noTextEdit="1"/>
           </p:cNvSpPr>
@@ -1132,7 +1131,7 @@
       </p:sp>
       <p:sp>
         <p:nvSpPr>
-          <p:cNvPr id="36867" name="Notes Placeholder 2"/>
+          <p:cNvPr id="37891" name="Notes Placeholder 2"/>
           <p:cNvSpPr>
             <a:spLocks noGrp="1"/>
           </p:cNvSpPr>
@@ -1177,135 +1176,6 @@
       <p:sp>
         <p:nvSpPr>
           <p:cNvPr id="4" name="Slide Number Placeholder 3"/>
-          <p:cNvSpPr>
-            <a:spLocks noGrp="1"/>
-          </p:cNvSpPr>
-          <p:nvPr>
-            <p:ph type="sldNum" sz="quarter" idx="5"/>
-          </p:nvPr>
-        </p:nvSpPr>
-        <p:spPr/>
-        <p:txBody>
-          <a:bodyPr/>
-          <a:lstStyle/>
-          <a:p>
-            <a:pPr>
-              <a:defRPr/>
-            </a:pPr>
-            <a:fld id="{4A0CFEE7-22F5-4720-8644-864E50D3AC1D}" type="slidenum">
-              <a:rPr lang="en-CA" smtClean="0"/>
-              <a:pPr>
-                <a:defRPr/>
-              </a:pPr>
-              <a:t>15</a:t>
-            </a:fld>
-            <a:endParaRPr lang="en-CA"/>
-          </a:p>
-        </p:txBody>
-      </p:sp>
-    </p:spTree>
-  </p:cSld>
-  <p:clrMapOvr>
-    <a:masterClrMapping/>
-  </p:clrMapOvr>
-</p:notes>
-</file>
-
-<file path=ppt/notesSlides/notesSlide15.xml><?xml version="1.0" encoding="utf-8"?>
-<p:notes xmlns:a="http://schemas.openxmlformats.org/drawingml/2006/main" xmlns:r="http://schemas.openxmlformats.org/officeDocument/2006/relationships" xmlns:p="http://schemas.openxmlformats.org/presentationml/2006/main">
-  <p:cSld>
-    <p:spTree>
-      <p:nvGrpSpPr>
-        <p:cNvPr id="1" name=""/>
-        <p:cNvGrpSpPr/>
-        <p:nvPr/>
-      </p:nvGrpSpPr>
-      <p:grpSpPr>
-        <a:xfrm>
-          <a:off x="0" y="0"/>
-          <a:ext cx="0" cy="0"/>
-          <a:chOff x="0" y="0"/>
-          <a:chExt cx="0" cy="0"/>
-        </a:xfrm>
-      </p:grpSpPr>
-      <p:sp>
-        <p:nvSpPr>
-          <p:cNvPr id="37890" name="Slide Image Placeholder 1"/>
-          <p:cNvSpPr>
-            <a:spLocks noGrp="1" noRot="1" noChangeAspect="1" noTextEdit="1"/>
-          </p:cNvSpPr>
-          <p:nvPr>
-            <p:ph type="sldImg"/>
-          </p:nvPr>
-        </p:nvSpPr>
-        <p:spPr bwMode="auto">
-          <a:noFill/>
-          <a:ln>
-            <a:solidFill>
-              <a:srgbClr val="000000"/>
-            </a:solidFill>
-            <a:miter lim="800000"/>
-            <a:headEnd/>
-            <a:tailEnd/>
-          </a:ln>
-          <a:extLst>
-            <a:ext uri="{909E8E84-426E-40DD-AFC4-6F175D3DCCD1}">
-              <a14:hiddenFill xmlns:a14="http://schemas.microsoft.com/office/drawing/2010/main">
-                <a:solidFill>
-                  <a:srgbClr val="FFFFFF"/>
-                </a:solidFill>
-              </a14:hiddenFill>
-            </a:ext>
-          </a:extLst>
-        </p:spPr>
-      </p:sp>
-      <p:sp>
-        <p:nvSpPr>
-          <p:cNvPr id="37891" name="Notes Placeholder 2"/>
-          <p:cNvSpPr>
-            <a:spLocks noGrp="1"/>
-          </p:cNvSpPr>
-          <p:nvPr>
-            <p:ph type="body" idx="1"/>
-          </p:nvPr>
-        </p:nvSpPr>
-        <p:spPr bwMode="auto">
-          <a:noFill/>
-          <a:extLst>
-            <a:ext uri="{909E8E84-426E-40DD-AFC4-6F175D3DCCD1}">
-              <a14:hiddenFill xmlns:a14="http://schemas.microsoft.com/office/drawing/2010/main">
-                <a:solidFill>
-                  <a:srgbClr val="FFFFFF"/>
-                </a:solidFill>
-              </a14:hiddenFill>
-            </a:ext>
-            <a:ext uri="{91240B29-F687-4F45-9708-019B960494DF}">
-              <a14:hiddenLine xmlns:a14="http://schemas.microsoft.com/office/drawing/2010/main" w="9525">
-                <a:solidFill>
-                  <a:srgbClr val="000000"/>
-                </a:solidFill>
-                <a:miter lim="800000"/>
-                <a:headEnd/>
-                <a:tailEnd/>
-              </a14:hiddenLine>
-            </a:ext>
-          </a:extLst>
-        </p:spPr>
-        <p:txBody>
-          <a:bodyPr wrap="square" numCol="1" anchor="t" anchorCtr="0" compatLnSpc="1">
-            <a:prstTxWarp prst="textNoShape">
-              <a:avLst/>
-            </a:prstTxWarp>
-          </a:bodyPr>
-          <a:lstStyle/>
-          <a:p>
-            <a:endParaRPr lang="en-CA" altLang="en-US"/>
-          </a:p>
-        </p:txBody>
-      </p:sp>
-      <p:sp>
-        <p:nvSpPr>
-          <p:cNvPr id="4" name="Slide Number Placeholder 3"/>
           <p:cNvSpPr txBox="1">
             <a:spLocks noGrp="1"/>
           </p:cNvSpPr>
@@ -1348,7 +1218,7 @@
                 </a:spcAft>
                 <a:defRPr/>
               </a:pPr>
-              <a:t>16</a:t>
+              <a:t>15</a:t>
             </a:fld>
             <a:endParaRPr lang="en-CA" sz="1200">
               <a:latin typeface="+mn-lt"/>
@@ -2029,7 +1899,7 @@
       </p:grpSpPr>
       <p:sp>
         <p:nvSpPr>
-          <p:cNvPr id="29698" name="Slide Image Placeholder 1"/>
+          <p:cNvPr id="30722" name="Slide Image Placeholder 1"/>
           <p:cNvSpPr>
             <a:spLocks noGrp="1" noRot="1" noChangeAspect="1" noTextEdit="1"/>
           </p:cNvSpPr>
@@ -2060,7 +1930,7 @@
       </p:sp>
       <p:sp>
         <p:nvSpPr>
-          <p:cNvPr id="29699" name="Notes Placeholder 2"/>
+          <p:cNvPr id="30723" name="Notes Placeholder 2"/>
           <p:cNvSpPr>
             <a:spLocks noGrp="1"/>
           </p:cNvSpPr>
@@ -2120,7 +1990,7 @@
             <a:pPr>
               <a:defRPr/>
             </a:pPr>
-            <a:fld id="{4E2C364E-7765-484C-89DE-F2763EDE1195}" type="slidenum">
+            <a:fld id="{D84D7384-6479-4DA3-8C26-ED0590273752}" type="slidenum">
               <a:rPr lang="en-CA" smtClean="0"/>
               <a:pPr>
                 <a:defRPr/>
@@ -2158,7 +2028,7 @@
       </p:grpSpPr>
       <p:sp>
         <p:nvSpPr>
-          <p:cNvPr id="30722" name="Slide Image Placeholder 1"/>
+          <p:cNvPr id="31746" name="Slide Image Placeholder 1"/>
           <p:cNvSpPr>
             <a:spLocks noGrp="1" noRot="1" noChangeAspect="1" noTextEdit="1"/>
           </p:cNvSpPr>
@@ -2189,7 +2059,7 @@
       </p:sp>
       <p:sp>
         <p:nvSpPr>
-          <p:cNvPr id="30723" name="Notes Placeholder 2"/>
+          <p:cNvPr id="31747" name="Notes Placeholder 2"/>
           <p:cNvSpPr>
             <a:spLocks noGrp="1"/>
           </p:cNvSpPr>
@@ -2234,29 +2104,54 @@
       <p:sp>
         <p:nvSpPr>
           <p:cNvPr id="4" name="Slide Number Placeholder 3"/>
-          <p:cNvSpPr>
+          <p:cNvSpPr txBox="1">
             <a:spLocks noGrp="1"/>
           </p:cNvSpPr>
-          <p:nvPr>
-            <p:ph type="sldNum" sz="quarter" idx="5"/>
-          </p:nvPr>
-        </p:nvSpPr>
-        <p:spPr/>
-        <p:txBody>
-          <a:bodyPr/>
+          <p:nvPr/>
+        </p:nvSpPr>
+        <p:spPr>
+          <a:xfrm>
+            <a:off x="3884613" y="8685213"/>
+            <a:ext cx="2971800" cy="457200"/>
+          </a:xfrm>
+          <a:prstGeom prst="rect">
+            <a:avLst/>
+          </a:prstGeom>
+          <a:noFill/>
+        </p:spPr>
+        <p:txBody>
+          <a:bodyPr anchor="b"/>
           <a:lstStyle/>
           <a:p>
-            <a:pPr>
+            <a:pPr algn="r" fontAlgn="auto">
+              <a:spcBef>
+                <a:spcPts val="0"/>
+              </a:spcBef>
+              <a:spcAft>
+                <a:spcPts val="0"/>
+              </a:spcAft>
               <a:defRPr/>
             </a:pPr>
-            <a:fld id="{D84D7384-6479-4DA3-8C26-ED0590273752}" type="slidenum">
-              <a:rPr lang="en-CA" smtClean="0"/>
-              <a:pPr>
+            <a:fld id="{D53FEEC8-3349-445F-84D3-4CE9799F0328}" type="slidenum">
+              <a:rPr lang="en-CA" sz="1200">
+                <a:latin typeface="+mn-lt"/>
+                <a:cs typeface="+mn-cs"/>
+              </a:rPr>
+              <a:pPr algn="r" fontAlgn="auto">
+                <a:spcBef>
+                  <a:spcPts val="0"/>
+                </a:spcBef>
+                <a:spcAft>
+                  <a:spcPts val="0"/>
+                </a:spcAft>
                 <a:defRPr/>
               </a:pPr>
               <a:t>9</a:t>
             </a:fld>
-            <a:endParaRPr lang="en-CA"/>
+            <a:endParaRPr lang="en-CA" sz="1200">
+              <a:latin typeface="+mn-lt"/>
+              <a:cs typeface="+mn-cs"/>
+            </a:endParaRPr>
           </a:p>
         </p:txBody>
       </p:sp>
@@ -2287,7 +2182,7 @@
       </p:grpSpPr>
       <p:sp>
         <p:nvSpPr>
-          <p:cNvPr id="31746" name="Slide Image Placeholder 1"/>
+          <p:cNvPr id="32770" name="Slide Image Placeholder 1"/>
           <p:cNvSpPr>
             <a:spLocks noGrp="1" noRot="1" noChangeAspect="1" noTextEdit="1"/>
           </p:cNvSpPr>
@@ -2318,7 +2213,7 @@
       </p:sp>
       <p:sp>
         <p:nvSpPr>
-          <p:cNvPr id="31747" name="Notes Placeholder 2"/>
+          <p:cNvPr id="32771" name="Notes Placeholder 2"/>
           <p:cNvSpPr>
             <a:spLocks noGrp="1"/>
           </p:cNvSpPr>
@@ -2363,54 +2258,29 @@
       <p:sp>
         <p:nvSpPr>
           <p:cNvPr id="4" name="Slide Number Placeholder 3"/>
-          <p:cNvSpPr txBox="1">
+          <p:cNvSpPr>
             <a:spLocks noGrp="1"/>
           </p:cNvSpPr>
-          <p:nvPr/>
-        </p:nvSpPr>
-        <p:spPr>
-          <a:xfrm>
-            <a:off x="3884613" y="8685213"/>
-            <a:ext cx="2971800" cy="457200"/>
-          </a:xfrm>
-          <a:prstGeom prst="rect">
-            <a:avLst/>
-          </a:prstGeom>
-          <a:noFill/>
-        </p:spPr>
-        <p:txBody>
-          <a:bodyPr anchor="b"/>
+          <p:nvPr>
+            <p:ph type="sldNum" sz="quarter" idx="5"/>
+          </p:nvPr>
+        </p:nvSpPr>
+        <p:spPr/>
+        <p:txBody>
+          <a:bodyPr/>
           <a:lstStyle/>
           <a:p>
-            <a:pPr algn="r" fontAlgn="auto">
-              <a:spcBef>
-                <a:spcPts val="0"/>
-              </a:spcBef>
-              <a:spcAft>
-                <a:spcPts val="0"/>
-              </a:spcAft>
+            <a:pPr>
               <a:defRPr/>
             </a:pPr>
-            <a:fld id="{D53FEEC8-3349-445F-84D3-4CE9799F0328}" type="slidenum">
-              <a:rPr lang="en-CA" sz="1200">
-                <a:latin typeface="+mn-lt"/>
-                <a:cs typeface="+mn-cs"/>
-              </a:rPr>
-              <a:pPr algn="r" fontAlgn="auto">
-                <a:spcBef>
-                  <a:spcPts val="0"/>
-                </a:spcBef>
-                <a:spcAft>
-                  <a:spcPts val="0"/>
-                </a:spcAft>
+            <a:fld id="{9F322468-802F-4835-B254-76250B8CB95E}" type="slidenum">
+              <a:rPr lang="en-CA" smtClean="0"/>
+              <a:pPr>
                 <a:defRPr/>
               </a:pPr>
               <a:t>10</a:t>
             </a:fld>
-            <a:endParaRPr lang="en-CA" sz="1200">
-              <a:latin typeface="+mn-lt"/>
-              <a:cs typeface="+mn-cs"/>
-            </a:endParaRPr>
+            <a:endParaRPr lang="en-CA"/>
           </a:p>
         </p:txBody>
       </p:sp>
@@ -2569,7 +2439,7 @@
           <a:p>
             <a:fld id="{9DCA369C-CB3F-4260-86E8-FD3F54C73225}" type="datetimeFigureOut">
               <a:rPr lang="en-US" smtClean="0"/>
-              <a:t>8/26/2021</a:t>
+              <a:t>10/31/21</a:t>
             </a:fld>
             <a:endParaRPr lang="en-US"/>
           </a:p>
@@ -2835,7 +2705,7 @@
           <a:p>
             <a:fld id="{9DCA369C-CB3F-4260-86E8-FD3F54C73225}" type="datetimeFigureOut">
               <a:rPr lang="en-US" smtClean="0"/>
-              <a:t>8/26/2021</a:t>
+              <a:t>10/31/21</a:t>
             </a:fld>
             <a:endParaRPr lang="en-US"/>
           </a:p>
@@ -3043,7 +2913,7 @@
           <a:p>
             <a:fld id="{9DCA369C-CB3F-4260-86E8-FD3F54C73225}" type="datetimeFigureOut">
               <a:rPr lang="en-US" smtClean="0"/>
-              <a:t>8/26/2021</a:t>
+              <a:t>10/31/21</a:t>
             </a:fld>
             <a:endParaRPr lang="en-US"/>
           </a:p>
@@ -3291,7 +3161,7 @@
           <a:p>
             <a:fld id="{9DCA369C-CB3F-4260-86E8-FD3F54C73225}" type="datetimeFigureOut">
               <a:rPr lang="en-US" smtClean="0"/>
-              <a:t>8/26/2021</a:t>
+              <a:t>10/31/21</a:t>
             </a:fld>
             <a:endParaRPr lang="en-US"/>
           </a:p>
@@ -3647,7 +3517,7 @@
           <a:p>
             <a:fld id="{9DCA369C-CB3F-4260-86E8-FD3F54C73225}" type="datetimeFigureOut">
               <a:rPr lang="en-US" smtClean="0"/>
-              <a:t>8/26/2021</a:t>
+              <a:t>10/31/21</a:t>
             </a:fld>
             <a:endParaRPr lang="en-US"/>
           </a:p>
@@ -3912,7 +3782,7 @@
           <a:p>
             <a:fld id="{9DCA369C-CB3F-4260-86E8-FD3F54C73225}" type="datetimeFigureOut">
               <a:rPr lang="en-US" smtClean="0"/>
-              <a:t>8/26/2021</a:t>
+              <a:t>10/31/21</a:t>
             </a:fld>
             <a:endParaRPr lang="en-US"/>
           </a:p>
@@ -4324,7 +4194,7 @@
           <a:p>
             <a:fld id="{9DCA369C-CB3F-4260-86E8-FD3F54C73225}" type="datetimeFigureOut">
               <a:rPr lang="en-US" smtClean="0"/>
-              <a:t>8/26/2021</a:t>
+              <a:t>10/31/21</a:t>
             </a:fld>
             <a:endParaRPr lang="en-US"/>
           </a:p>
@@ -4465,7 +4335,7 @@
           <a:p>
             <a:fld id="{9DCA369C-CB3F-4260-86E8-FD3F54C73225}" type="datetimeFigureOut">
               <a:rPr lang="en-US" smtClean="0"/>
-              <a:t>8/26/2021</a:t>
+              <a:t>10/31/21</a:t>
             </a:fld>
             <a:endParaRPr lang="en-US"/>
           </a:p>
@@ -4578,7 +4448,7 @@
           <a:p>
             <a:fld id="{9DCA369C-CB3F-4260-86E8-FD3F54C73225}" type="datetimeFigureOut">
               <a:rPr lang="en-US" smtClean="0"/>
-              <a:t>8/26/2021</a:t>
+              <a:t>10/31/21</a:t>
             </a:fld>
             <a:endParaRPr lang="en-US"/>
           </a:p>
@@ -4889,7 +4759,7 @@
           <a:p>
             <a:fld id="{9DCA369C-CB3F-4260-86E8-FD3F54C73225}" type="datetimeFigureOut">
               <a:rPr lang="en-US" smtClean="0"/>
-              <a:t>8/26/2021</a:t>
+              <a:t>10/31/21</a:t>
             </a:fld>
             <a:endParaRPr lang="en-US"/>
           </a:p>
@@ -5177,7 +5047,7 @@
           <a:p>
             <a:fld id="{9DCA369C-CB3F-4260-86E8-FD3F54C73225}" type="datetimeFigureOut">
               <a:rPr lang="en-US" smtClean="0"/>
-              <a:t>8/26/2021</a:t>
+              <a:t>10/31/21</a:t>
             </a:fld>
             <a:endParaRPr lang="en-US"/>
           </a:p>
@@ -5418,7 +5288,7 @@
           <a:p>
             <a:fld id="{9DCA369C-CB3F-4260-86E8-FD3F54C73225}" type="datetimeFigureOut">
               <a:rPr lang="en-US" smtClean="0"/>
-              <a:t>8/26/2021</a:t>
+              <a:t>10/31/21</a:t>
             </a:fld>
             <a:endParaRPr lang="en-US"/>
           </a:p>
@@ -5868,19 +5738,8 @@
                 <a:latin typeface="Arial" panose="020B0604020202020204" pitchFamily="34" charset="0"/>
                 <a:cs typeface="Arial" panose="020B0604020202020204" pitchFamily="34" charset="0"/>
               </a:rPr>
-              <a:t>CS 2420: Priority </a:t>
-            </a:r>
-            <a:r>
-              <a:rPr lang="en-US" sz="4000" b="1" dirty="0" err="1">
-                <a:latin typeface="Arial" panose="020B0604020202020204" pitchFamily="34" charset="0"/>
-                <a:cs typeface="Arial" panose="020B0604020202020204" pitchFamily="34" charset="0"/>
-              </a:rPr>
-              <a:t>Qeueue</a:t>
-            </a:r>
-            <a:endParaRPr lang="en-US" sz="4000" b="1" dirty="0">
-              <a:latin typeface="Arial" panose="020B0604020202020204" pitchFamily="34" charset="0"/>
-              <a:cs typeface="Arial" panose="020B0604020202020204" pitchFamily="34" charset="0"/>
-            </a:endParaRPr>
+              <a:t>CS 2420: Priority Queue</a:t>
+            </a:r>
           </a:p>
         </p:txBody>
       </p:sp>
@@ -5948,155 +5807,6 @@
 </file>
 
 <file path=ppt/slides/slide10.xml><?xml version="1.0" encoding="utf-8"?>
-<p:sld xmlns:a="http://schemas.openxmlformats.org/drawingml/2006/main" xmlns:r="http://schemas.openxmlformats.org/officeDocument/2006/relationships" xmlns:p="http://schemas.openxmlformats.org/presentationml/2006/main">
-  <p:cSld>
-    <p:spTree>
-      <p:nvGrpSpPr>
-        <p:cNvPr id="1" name=""/>
-        <p:cNvGrpSpPr/>
-        <p:nvPr/>
-      </p:nvGrpSpPr>
-      <p:grpSpPr>
-        <a:xfrm>
-          <a:off x="0" y="0"/>
-          <a:ext cx="0" cy="0"/>
-          <a:chOff x="0" y="0"/>
-          <a:chExt cx="0" cy="0"/>
-        </a:xfrm>
-      </p:grpSpPr>
-      <p:sp>
-        <p:nvSpPr>
-          <p:cNvPr id="13314" name="Rectangle 2"/>
-          <p:cNvSpPr>
-            <a:spLocks noGrp="1" noChangeArrowheads="1"/>
-          </p:cNvSpPr>
-          <p:nvPr>
-            <p:ph type="title" idx="4294967295"/>
-          </p:nvPr>
-        </p:nvSpPr>
-        <p:spPr>
-          <a:xfrm>
-            <a:off x="838200" y="265176"/>
-            <a:ext cx="10515600" cy="1006475"/>
-          </a:xfrm>
-        </p:spPr>
-        <p:txBody>
-          <a:bodyPr>
-            <a:normAutofit/>
-          </a:bodyPr>
-          <a:lstStyle/>
-          <a:p>
-            <a:r>
-              <a:rPr lang="en-US" altLang="en-US" sz="4000" b="1" dirty="0">
-                <a:latin typeface="Arial" charset="0"/>
-                <a:cs typeface="Arial" charset="0"/>
-              </a:rPr>
-              <a:t>Multiple Queues</a:t>
-            </a:r>
-          </a:p>
-        </p:txBody>
-      </p:sp>
-      <p:sp>
-        <p:nvSpPr>
-          <p:cNvPr id="13315" name="Rectangle 3"/>
-          <p:cNvSpPr>
-            <a:spLocks noGrp="1" noChangeArrowheads="1"/>
-          </p:cNvSpPr>
-          <p:nvPr>
-            <p:ph type="body" idx="4294967295"/>
-          </p:nvPr>
-        </p:nvSpPr>
-        <p:spPr>
-          <a:xfrm>
-            <a:off x="838200" y="1463040"/>
-            <a:ext cx="10515600" cy="4776784"/>
-          </a:xfrm>
-        </p:spPr>
-        <p:txBody>
-          <a:bodyPr/>
-          <a:lstStyle/>
-          <a:p>
-            <a:pPr>
-              <a:buFont typeface="Arial" charset="0"/>
-              <a:buNone/>
-            </a:pPr>
-            <a:r>
-              <a:rPr lang="en-US" altLang="en-US" sz="2400" dirty="0">
-                <a:latin typeface="Arial" charset="0"/>
-                <a:cs typeface="Arial" charset="0"/>
-              </a:rPr>
-              <a:t>	</a:t>
-            </a:r>
-            <a:r>
-              <a:rPr lang="en-US" altLang="en-US" dirty="0">
-                <a:latin typeface="Arial" charset="0"/>
-                <a:cs typeface="Arial" charset="0"/>
-              </a:rPr>
-              <a:t>Assume there is a fixed number of priorities, say </a:t>
-            </a:r>
-            <a:r>
-              <a:rPr lang="en-US" altLang="en-US" i="1" dirty="0">
-                <a:latin typeface="Times New Roman" pitchFamily="18" charset="0"/>
-                <a:cs typeface="Arial" charset="0"/>
-              </a:rPr>
-              <a:t>M</a:t>
-            </a:r>
-          </a:p>
-          <a:p>
-            <a:pPr lvl="1"/>
-            <a:r>
-              <a:rPr lang="en-US" altLang="en-US" dirty="0">
-                <a:latin typeface="Arial" charset="0"/>
-                <a:cs typeface="Arial" charset="0"/>
-              </a:rPr>
-              <a:t>Create an array of </a:t>
-            </a:r>
-            <a:r>
-              <a:rPr lang="en-US" altLang="en-US" i="1" dirty="0">
-                <a:latin typeface="Times New Roman" pitchFamily="18" charset="0"/>
-                <a:cs typeface="Arial" charset="0"/>
-              </a:rPr>
-              <a:t>M</a:t>
-            </a:r>
-            <a:r>
-              <a:rPr lang="en-US" altLang="en-US" dirty="0">
-                <a:latin typeface="Arial" charset="0"/>
-                <a:cs typeface="Arial" charset="0"/>
-              </a:rPr>
-              <a:t> queues</a:t>
-            </a:r>
-          </a:p>
-          <a:p>
-            <a:pPr lvl="1"/>
-            <a:r>
-              <a:rPr lang="en-US" altLang="en-US" dirty="0">
-                <a:latin typeface="Arial" charset="0"/>
-                <a:cs typeface="Arial" charset="0"/>
-              </a:rPr>
-              <a:t>Push a new object onto the queue corresponding to the priority</a:t>
-            </a:r>
-          </a:p>
-          <a:p>
-            <a:pPr lvl="1"/>
-            <a:r>
-              <a:rPr lang="en-US" altLang="en-US" dirty="0">
-                <a:latin typeface="Arial" charset="0"/>
-                <a:cs typeface="Arial" charset="0"/>
-              </a:rPr>
-              <a:t>Top and pop find the first empty queue with highest priority</a:t>
-            </a:r>
-          </a:p>
-        </p:txBody>
-      </p:sp>
-    </p:spTree>
-  </p:cSld>
-  <p:clrMapOvr>
-    <a:masterClrMapping/>
-  </p:clrMapOvr>
-</p:sld>
-</file>
-
-<file path=ppt/slides/slide11.xml><?xml version="1.0" encoding="utf-8"?>
 <p:sld xmlns:a="http://schemas.openxmlformats.org/drawingml/2006/main" xmlns:r="http://schemas.openxmlformats.org/officeDocument/2006/relationships" xmlns:p="http://schemas.openxmlformats.org/presentationml/2006/main">
   <p:cSld>
     <p:spTree>
@@ -7355,7 +7065,7 @@
 </p:sld>
 </file>
 
-<file path=ppt/slides/slide12.xml><?xml version="1.0" encoding="utf-8"?>
+<file path=ppt/slides/slide11.xml><?xml version="1.0" encoding="utf-8"?>
 <p:sld xmlns:a="http://schemas.openxmlformats.org/drawingml/2006/main" xmlns:r="http://schemas.openxmlformats.org/officeDocument/2006/relationships" xmlns:p="http://schemas.openxmlformats.org/presentationml/2006/main">
   <p:cSld>
     <p:spTree>
@@ -8903,6 +8613,250 @@
 </p:sld>
 </file>
 
+<file path=ppt/slides/slide12.xml><?xml version="1.0" encoding="utf-8"?>
+<p:sld xmlns:a="http://schemas.openxmlformats.org/drawingml/2006/main" xmlns:r="http://schemas.openxmlformats.org/officeDocument/2006/relationships" xmlns:p="http://schemas.openxmlformats.org/presentationml/2006/main">
+  <p:cSld>
+    <p:spTree>
+      <p:nvGrpSpPr>
+        <p:cNvPr id="1" name=""/>
+        <p:cNvGrpSpPr/>
+        <p:nvPr/>
+      </p:nvGrpSpPr>
+      <p:grpSpPr>
+        <a:xfrm>
+          <a:off x="0" y="0"/>
+          <a:ext cx="0" cy="0"/>
+          <a:chOff x="0" y="0"/>
+          <a:chExt cx="0" cy="0"/>
+        </a:xfrm>
+      </p:grpSpPr>
+      <p:sp>
+        <p:nvSpPr>
+          <p:cNvPr id="16386" name="Rectangle 2"/>
+          <p:cNvSpPr>
+            <a:spLocks noGrp="1" noChangeArrowheads="1"/>
+          </p:cNvSpPr>
+          <p:nvPr>
+            <p:ph type="title"/>
+          </p:nvPr>
+        </p:nvSpPr>
+        <p:spPr/>
+        <p:txBody>
+          <a:bodyPr/>
+          <a:lstStyle/>
+          <a:p>
+            <a:r>
+              <a:rPr lang="en-US" altLang="en-US" dirty="0">
+                <a:latin typeface="Arial" charset="0"/>
+                <a:cs typeface="Arial" charset="0"/>
+              </a:rPr>
+              <a:t>Multiple Queues</a:t>
+            </a:r>
+          </a:p>
+        </p:txBody>
+      </p:sp>
+      <p:sp>
+        <p:nvSpPr>
+          <p:cNvPr id="16387" name="Rectangle 3"/>
+          <p:cNvSpPr>
+            <a:spLocks noGrp="1" noChangeArrowheads="1"/>
+          </p:cNvSpPr>
+          <p:nvPr>
+            <p:ph type="body" idx="1"/>
+          </p:nvPr>
+        </p:nvSpPr>
+        <p:spPr/>
+        <p:txBody>
+          <a:bodyPr/>
+          <a:lstStyle/>
+          <a:p>
+            <a:pPr>
+              <a:buFont typeface="Arial" charset="0"/>
+              <a:buNone/>
+            </a:pPr>
+            <a:r>
+              <a:rPr lang="en-US" altLang="en-US" dirty="0">
+                <a:latin typeface="Arial" charset="0"/>
+                <a:cs typeface="Arial" charset="0"/>
+              </a:rPr>
+              <a:t>	The run times are reasonable:</a:t>
+            </a:r>
+          </a:p>
+          <a:p>
+            <a:pPr lvl="1"/>
+            <a:r>
+              <a:rPr lang="en-US" altLang="en-US" dirty="0">
+                <a:latin typeface="Arial" charset="0"/>
+                <a:cs typeface="Arial" charset="0"/>
+              </a:rPr>
+              <a:t>Push is </a:t>
+            </a:r>
+            <a:r>
+              <a:rPr lang="en-US" altLang="en-US" b="1" dirty="0">
+                <a:latin typeface="Symbol" pitchFamily="18" charset="2"/>
+                <a:cs typeface="Times New Roman" pitchFamily="18" charset="0"/>
+              </a:rPr>
+              <a:t>Q</a:t>
+            </a:r>
+            <a:r>
+              <a:rPr lang="en-US" altLang="en-US" dirty="0">
+                <a:latin typeface="Times New Roman" pitchFamily="18" charset="0"/>
+                <a:cs typeface="Times New Roman" pitchFamily="18" charset="0"/>
+              </a:rPr>
+              <a:t>(1)</a:t>
+            </a:r>
+            <a:r>
+              <a:rPr lang="en-US" altLang="en-US" dirty="0">
+                <a:latin typeface="Arial" charset="0"/>
+                <a:cs typeface="Arial" charset="0"/>
+              </a:rPr>
+              <a:t> </a:t>
+            </a:r>
+          </a:p>
+          <a:p>
+            <a:pPr lvl="1"/>
+            <a:r>
+              <a:rPr lang="en-US" altLang="en-US" dirty="0">
+                <a:latin typeface="Arial" charset="0"/>
+                <a:cs typeface="Arial" charset="0"/>
+              </a:rPr>
+              <a:t>Top and pop are both </a:t>
+            </a:r>
+            <a:r>
+              <a:rPr lang="en-US" altLang="en-US" b="1" dirty="0">
+                <a:latin typeface="Times New Roman" pitchFamily="18" charset="0"/>
+                <a:cs typeface="Times New Roman" pitchFamily="18" charset="0"/>
+              </a:rPr>
+              <a:t>O</a:t>
+            </a:r>
+            <a:r>
+              <a:rPr lang="en-US" altLang="en-US" dirty="0">
+                <a:latin typeface="Times New Roman" pitchFamily="18" charset="0"/>
+                <a:cs typeface="Times New Roman" pitchFamily="18" charset="0"/>
+              </a:rPr>
+              <a:t>(</a:t>
+            </a:r>
+            <a:r>
+              <a:rPr lang="en-US" altLang="en-US" i="1" dirty="0">
+                <a:latin typeface="Times New Roman" pitchFamily="18" charset="0"/>
+                <a:cs typeface="Times New Roman" pitchFamily="18" charset="0"/>
+              </a:rPr>
+              <a:t>M</a:t>
+            </a:r>
+            <a:r>
+              <a:rPr lang="en-US" altLang="en-US" dirty="0">
+                <a:latin typeface="Times New Roman" pitchFamily="18" charset="0"/>
+                <a:cs typeface="Times New Roman" pitchFamily="18" charset="0"/>
+              </a:rPr>
+              <a:t>)</a:t>
+            </a:r>
+            <a:r>
+              <a:rPr lang="en-US" altLang="en-US" dirty="0">
+                <a:latin typeface="Arial" charset="0"/>
+                <a:cs typeface="Arial" charset="0"/>
+              </a:rPr>
+              <a:t> </a:t>
+            </a:r>
+          </a:p>
+          <a:p>
+            <a:pPr>
+              <a:buFont typeface="Arial" charset="0"/>
+              <a:buNone/>
+            </a:pPr>
+            <a:endParaRPr lang="en-US" altLang="en-US" dirty="0">
+              <a:latin typeface="Arial" charset="0"/>
+              <a:cs typeface="Arial" charset="0"/>
+            </a:endParaRPr>
+          </a:p>
+          <a:p>
+            <a:pPr>
+              <a:buFont typeface="Arial" charset="0"/>
+              <a:buNone/>
+            </a:pPr>
+            <a:r>
+              <a:rPr lang="en-US" altLang="en-US" dirty="0">
+                <a:latin typeface="Arial" charset="0"/>
+                <a:cs typeface="Arial" charset="0"/>
+              </a:rPr>
+              <a:t>	Unfortunately:</a:t>
+            </a:r>
+          </a:p>
+          <a:p>
+            <a:pPr lvl="1"/>
+            <a:r>
+              <a:rPr lang="en-US" altLang="en-US" dirty="0">
+                <a:latin typeface="Arial" charset="0"/>
+                <a:cs typeface="Arial" charset="0"/>
+              </a:rPr>
+              <a:t>It restricts the range of priorities</a:t>
+            </a:r>
+          </a:p>
+          <a:p>
+            <a:pPr lvl="1"/>
+            <a:r>
+              <a:rPr lang="en-US" altLang="en-US" dirty="0">
+                <a:latin typeface="Arial" charset="0"/>
+                <a:cs typeface="Arial" charset="0"/>
+              </a:rPr>
+              <a:t>The memory requirement is </a:t>
+            </a:r>
+            <a:r>
+              <a:rPr lang="en-US" altLang="en-US" b="1" dirty="0">
+                <a:latin typeface="Symbol" pitchFamily="18" charset="2"/>
+                <a:cs typeface="Times New Roman" pitchFamily="18" charset="0"/>
+              </a:rPr>
+              <a:t>Q</a:t>
+            </a:r>
+            <a:r>
+              <a:rPr lang="en-US" altLang="en-US" dirty="0">
+                <a:latin typeface="Times New Roman" pitchFamily="18" charset="0"/>
+                <a:cs typeface="Times New Roman" pitchFamily="18" charset="0"/>
+              </a:rPr>
+              <a:t>(</a:t>
+            </a:r>
+            <a:r>
+              <a:rPr lang="en-US" altLang="en-US" i="1" dirty="0">
+                <a:latin typeface="Times New Roman" pitchFamily="18" charset="0"/>
+                <a:cs typeface="Times New Roman" pitchFamily="18" charset="0"/>
+              </a:rPr>
+              <a:t>M</a:t>
+            </a:r>
+            <a:r>
+              <a:rPr lang="en-US" altLang="en-US" dirty="0">
+                <a:latin typeface="Times New Roman" pitchFamily="18" charset="0"/>
+                <a:cs typeface="Times New Roman" pitchFamily="18" charset="0"/>
+              </a:rPr>
+              <a:t> + </a:t>
+            </a:r>
+            <a:r>
+              <a:rPr lang="en-US" altLang="en-US" i="1" dirty="0">
+                <a:latin typeface="Times New Roman" pitchFamily="18" charset="0"/>
+                <a:cs typeface="Times New Roman" pitchFamily="18" charset="0"/>
+              </a:rPr>
+              <a:t>n</a:t>
+            </a:r>
+            <a:r>
+              <a:rPr lang="en-US" altLang="en-US" dirty="0">
+                <a:latin typeface="Times New Roman" pitchFamily="18" charset="0"/>
+                <a:cs typeface="Times New Roman" pitchFamily="18" charset="0"/>
+              </a:rPr>
+              <a:t>)</a:t>
+            </a:r>
+            <a:endParaRPr lang="en-US" altLang="en-US" dirty="0">
+              <a:latin typeface="Arial" charset="0"/>
+              <a:cs typeface="Arial" charset="0"/>
+            </a:endParaRPr>
+          </a:p>
+        </p:txBody>
+      </p:sp>
+    </p:spTree>
+  </p:cSld>
+  <p:clrMapOvr>
+    <a:masterClrMapping/>
+  </p:clrMapOvr>
+</p:sld>
+</file>
+
 <file path=ppt/slides/slide13.xml><?xml version="1.0" encoding="utf-8"?>
 <p:sld xmlns:a="http://schemas.openxmlformats.org/drawingml/2006/main" xmlns:r="http://schemas.openxmlformats.org/officeDocument/2006/relationships" xmlns:p="http://schemas.openxmlformats.org/presentationml/2006/main">
   <p:cSld>
@@ -8922,7 +8876,7 @@
       </p:grpSpPr>
       <p:sp>
         <p:nvSpPr>
-          <p:cNvPr id="16386" name="Rectangle 2"/>
+          <p:cNvPr id="17410" name="Rectangle 2"/>
           <p:cNvSpPr>
             <a:spLocks noGrp="1" noChangeArrowheads="1"/>
           </p:cNvSpPr>
@@ -8940,14 +8894,14 @@
                 <a:latin typeface="Arial" charset="0"/>
                 <a:cs typeface="Arial" charset="0"/>
               </a:rPr>
-              <a:t>Multiple Queues</a:t>
-            </a:r>
-          </a:p>
-        </p:txBody>
-      </p:sp>
-      <p:sp>
-        <p:nvSpPr>
-          <p:cNvPr id="16387" name="Rectangle 3"/>
+              <a:t>AVL Trees</a:t>
+            </a:r>
+          </a:p>
+        </p:txBody>
+      </p:sp>
+      <p:sp>
+        <p:nvSpPr>
+          <p:cNvPr id="17411" name="Rectangle 3"/>
           <p:cNvSpPr>
             <a:spLocks noGrp="1" noChangeArrowheads="1"/>
           </p:cNvSpPr>
@@ -8969,7 +8923,7 @@
                 <a:latin typeface="Arial" charset="0"/>
                 <a:cs typeface="Arial" charset="0"/>
               </a:rPr>
-              <a:t>	The run times are reasonable:</a:t>
+              <a:t>	We could simply insert the objects into an AVL tree where the order is given by the stated priority:</a:t>
             </a:r>
           </a:p>
           <a:p>
@@ -8979,7 +8933,7 @@
                 <a:latin typeface="Arial" charset="0"/>
                 <a:cs typeface="Arial" charset="0"/>
               </a:rPr>
-              <a:t>Push is </a:t>
+              <a:t>Insertion is </a:t>
             </a:r>
             <a:r>
               <a:rPr lang="en-US" altLang="en-US" b="1" dirty="0">
@@ -8993,59 +8947,142 @@
                 <a:latin typeface="Times New Roman" pitchFamily="18" charset="0"/>
                 <a:cs typeface="Times New Roman" pitchFamily="18" charset="0"/>
               </a:rPr>
-              <a:t>(1)</a:t>
-            </a:r>
-            <a:r>
-              <a:rPr lang="en-US" altLang="en-US" dirty="0">
-                <a:latin typeface="Arial" charset="0"/>
-                <a:cs typeface="Arial" charset="0"/>
-              </a:rPr>
-              <a:t> </a:t>
-            </a:r>
-          </a:p>
-          <a:p>
-            <a:pPr lvl="1"/>
-            <a:r>
-              <a:rPr lang="en-US" altLang="en-US" dirty="0">
-                <a:latin typeface="Arial" charset="0"/>
-                <a:cs typeface="Arial" charset="0"/>
-              </a:rPr>
-              <a:t>Top and pop are both </a:t>
-            </a:r>
-            <a:r>
-              <a:rPr lang="en-US" altLang="en-US" b="1" dirty="0">
-                <a:latin typeface="Times New Roman" pitchFamily="18" charset="0"/>
-                <a:cs typeface="Times New Roman" pitchFamily="18" charset="0"/>
-              </a:rPr>
-              <a:t>O</a:t>
-            </a:r>
-            <a:r>
-              <a:rPr lang="en-US" altLang="en-US" dirty="0">
-                <a:latin typeface="Times New Roman" pitchFamily="18" charset="0"/>
-                <a:cs typeface="Times New Roman" pitchFamily="18" charset="0"/>
-              </a:rPr>
-              <a:t>(</a:t>
+              <a:t>(ln(</a:t>
             </a:r>
             <a:r>
               <a:rPr lang="en-US" altLang="en-US" i="1" dirty="0">
                 <a:latin typeface="Times New Roman" pitchFamily="18" charset="0"/>
                 <a:cs typeface="Times New Roman" pitchFamily="18" charset="0"/>
               </a:rPr>
-              <a:t>M</a:t>
+              <a:t>n</a:t>
             </a:r>
             <a:r>
               <a:rPr lang="en-US" altLang="en-US" dirty="0">
                 <a:latin typeface="Times New Roman" pitchFamily="18" charset="0"/>
                 <a:cs typeface="Times New Roman" pitchFamily="18" charset="0"/>
               </a:rPr>
-              <a:t>)</a:t>
-            </a:r>
-            <a:r>
-              <a:rPr lang="en-US" altLang="en-US" dirty="0">
-                <a:latin typeface="Arial" charset="0"/>
-                <a:cs typeface="Arial" charset="0"/>
-              </a:rPr>
-              <a:t> </a:t>
+              <a:t>))		</a:t>
+            </a:r>
+            <a:r>
+              <a:rPr lang="en-US" altLang="en-US" sz="1600" dirty="0">
+                <a:latin typeface="Consolas" pitchFamily="49" charset="0"/>
+                <a:cs typeface="Times New Roman" pitchFamily="18" charset="0"/>
+              </a:rPr>
+              <a:t>void insert( Type const &amp; );</a:t>
+            </a:r>
+            <a:endParaRPr lang="en-US" altLang="en-US" dirty="0">
+              <a:latin typeface="Arial" charset="0"/>
+              <a:cs typeface="Arial" charset="0"/>
+            </a:endParaRPr>
+          </a:p>
+          <a:p>
+            <a:pPr lvl="1"/>
+            <a:r>
+              <a:rPr lang="en-US" altLang="en-US" dirty="0">
+                <a:latin typeface="Arial" charset="0"/>
+                <a:cs typeface="Arial" charset="0"/>
+              </a:rPr>
+              <a:t>Top is </a:t>
+            </a:r>
+            <a:r>
+              <a:rPr lang="en-US" altLang="en-US" b="1" dirty="0">
+                <a:latin typeface="Symbol" pitchFamily="18" charset="2"/>
+                <a:cs typeface="Times New Roman" pitchFamily="18" charset="0"/>
+              </a:rPr>
+              <a:t>Q</a:t>
+            </a:r>
+            <a:r>
+              <a:rPr lang="en-US" altLang="en-US" dirty="0">
+                <a:latin typeface="Times New Roman" pitchFamily="18" charset="0"/>
+                <a:cs typeface="Times New Roman" pitchFamily="18" charset="0"/>
+              </a:rPr>
+              <a:t>(ln(</a:t>
+            </a:r>
+            <a:r>
+              <a:rPr lang="en-US" altLang="en-US" i="1" dirty="0">
+                <a:latin typeface="Times New Roman" pitchFamily="18" charset="0"/>
+                <a:cs typeface="Times New Roman" pitchFamily="18" charset="0"/>
+              </a:rPr>
+              <a:t>n</a:t>
+            </a:r>
+            <a:r>
+              <a:rPr lang="en-US" altLang="en-US" dirty="0">
+                <a:latin typeface="Times New Roman" pitchFamily="18" charset="0"/>
+                <a:cs typeface="Times New Roman" pitchFamily="18" charset="0"/>
+              </a:rPr>
+              <a:t>))		            </a:t>
+            </a:r>
+            <a:r>
+              <a:rPr lang="en-US" altLang="en-US" sz="1600" dirty="0">
+                <a:solidFill>
+                  <a:srgbClr val="000000"/>
+                </a:solidFill>
+                <a:latin typeface="Consolas" pitchFamily="49" charset="0"/>
+                <a:cs typeface="Times New Roman" pitchFamily="18" charset="0"/>
+              </a:rPr>
+              <a:t>Type front();</a:t>
+            </a:r>
+            <a:endParaRPr lang="en-US" altLang="en-US" dirty="0">
+              <a:latin typeface="Arial" charset="0"/>
+              <a:cs typeface="Arial" charset="0"/>
+            </a:endParaRPr>
+          </a:p>
+          <a:p>
+            <a:pPr lvl="1"/>
+            <a:r>
+              <a:rPr lang="en-US" altLang="en-US" dirty="0">
+                <a:latin typeface="Arial" charset="0"/>
+                <a:cs typeface="Arial" charset="0"/>
+              </a:rPr>
+              <a:t>Remove is </a:t>
+            </a:r>
+            <a:r>
+              <a:rPr lang="en-US" altLang="en-US" b="1" dirty="0">
+                <a:latin typeface="Symbol" pitchFamily="18" charset="2"/>
+                <a:cs typeface="Times New Roman" pitchFamily="18" charset="0"/>
+              </a:rPr>
+              <a:t>Q</a:t>
+            </a:r>
+            <a:r>
+              <a:rPr lang="en-US" altLang="en-US" dirty="0">
+                <a:latin typeface="Times New Roman" pitchFamily="18" charset="0"/>
+                <a:cs typeface="Times New Roman" pitchFamily="18" charset="0"/>
+              </a:rPr>
+              <a:t>(ln(</a:t>
+            </a:r>
+            <a:r>
+              <a:rPr lang="en-US" altLang="en-US" i="1" dirty="0">
+                <a:latin typeface="Times New Roman" pitchFamily="18" charset="0"/>
+                <a:cs typeface="Times New Roman" pitchFamily="18" charset="0"/>
+              </a:rPr>
+              <a:t>n</a:t>
+            </a:r>
+            <a:r>
+              <a:rPr lang="en-US" altLang="en-US" dirty="0">
+                <a:latin typeface="Times New Roman" pitchFamily="18" charset="0"/>
+                <a:cs typeface="Times New Roman" pitchFamily="18" charset="0"/>
+              </a:rPr>
+              <a:t>))</a:t>
+            </a:r>
+            <a:r>
+              <a:rPr lang="en-US" altLang="en-US" dirty="0">
+                <a:solidFill>
+                  <a:srgbClr val="000000"/>
+                </a:solidFill>
+                <a:latin typeface="Times New Roman" pitchFamily="18" charset="0"/>
+                <a:cs typeface="Times New Roman" pitchFamily="18" charset="0"/>
+              </a:rPr>
+              <a:t> 		</a:t>
+            </a:r>
+            <a:r>
+              <a:rPr lang="en-US" altLang="en-US" sz="1600" dirty="0">
+                <a:solidFill>
+                  <a:srgbClr val="000000"/>
+                </a:solidFill>
+                <a:latin typeface="Consolas" pitchFamily="49" charset="0"/>
+                <a:cs typeface="Times New Roman" pitchFamily="18" charset="0"/>
+              </a:rPr>
+              <a:t>bool remove( front() );</a:t>
             </a:r>
           </a:p>
           <a:p>
@@ -9068,70 +9105,18 @@
                 <a:latin typeface="Arial" charset="0"/>
                 <a:cs typeface="Arial" charset="0"/>
               </a:rPr>
-              <a:t>	Unfortunately:</a:t>
+              <a:t>	There is significant overhead for maintaining both the tree and the corresponding balance</a:t>
             </a:r>
           </a:p>
           <a:p>
             <a:pPr lvl="1"/>
-            <a:r>
-              <a:rPr lang="en-US" altLang="en-US" dirty="0">
-                <a:latin typeface="Arial" charset="0"/>
-                <a:cs typeface="Arial" charset="0"/>
-              </a:rPr>
-              <a:t>It restricts the range of priorities</a:t>
-            </a:r>
+            <a:endParaRPr lang="en-US" altLang="en-US" dirty="0">
+              <a:latin typeface="Arial" charset="0"/>
+              <a:cs typeface="Arial" charset="0"/>
+            </a:endParaRPr>
           </a:p>
           <a:p>
             <a:pPr lvl="1"/>
-            <a:r>
-              <a:rPr lang="en-US" altLang="en-US" dirty="0">
-                <a:latin typeface="Arial" charset="0"/>
-                <a:cs typeface="Arial" charset="0"/>
-              </a:rPr>
-              <a:t>The memory requirement is </a:t>
-            </a:r>
-            <a:r>
-              <a:rPr lang="en-US" altLang="en-US" b="1" dirty="0">
-                <a:latin typeface="Symbol" pitchFamily="18" charset="2"/>
-                <a:cs typeface="Times New Roman" pitchFamily="18" charset="0"/>
-              </a:rPr>
-              <a:t>Q</a:t>
-            </a:r>
-            <a:r>
-              <a:rPr lang="en-US" altLang="en-US" dirty="0">
-                <a:latin typeface="Times New Roman" pitchFamily="18" charset="0"/>
-                <a:cs typeface="Times New Roman" pitchFamily="18" charset="0"/>
-              </a:rPr>
-              <a:t>(</a:t>
-            </a:r>
-            <a:r>
-              <a:rPr lang="en-US" altLang="en-US" i="1" dirty="0">
-                <a:latin typeface="Times New Roman" pitchFamily="18" charset="0"/>
-                <a:cs typeface="Times New Roman" pitchFamily="18" charset="0"/>
-              </a:rPr>
-              <a:t>M</a:t>
-            </a:r>
-            <a:r>
-              <a:rPr lang="en-US" altLang="en-US" dirty="0">
-                <a:latin typeface="Times New Roman" pitchFamily="18" charset="0"/>
-                <a:cs typeface="Times New Roman" pitchFamily="18" charset="0"/>
-              </a:rPr>
-              <a:t> + </a:t>
-            </a:r>
-            <a:r>
-              <a:rPr lang="en-US" altLang="en-US" i="1" dirty="0">
-                <a:latin typeface="Times New Roman" pitchFamily="18" charset="0"/>
-                <a:cs typeface="Times New Roman" pitchFamily="18" charset="0"/>
-              </a:rPr>
-              <a:t>n</a:t>
-            </a:r>
-            <a:r>
-              <a:rPr lang="en-US" altLang="en-US" dirty="0">
-                <a:latin typeface="Times New Roman" pitchFamily="18" charset="0"/>
-                <a:cs typeface="Times New Roman" pitchFamily="18" charset="0"/>
-              </a:rPr>
-              <a:t>)</a:t>
-            </a:r>
             <a:endParaRPr lang="en-US" altLang="en-US" dirty="0">
               <a:latin typeface="Arial" charset="0"/>
               <a:cs typeface="Arial" charset="0"/>
@@ -9148,281 +9133,6 @@
 </file>
 
 <file path=ppt/slides/slide14.xml><?xml version="1.0" encoding="utf-8"?>
-<p:sld xmlns:a="http://schemas.openxmlformats.org/drawingml/2006/main" xmlns:r="http://schemas.openxmlformats.org/officeDocument/2006/relationships" xmlns:p="http://schemas.openxmlformats.org/presentationml/2006/main">
-  <p:cSld>
-    <p:spTree>
-      <p:nvGrpSpPr>
-        <p:cNvPr id="1" name=""/>
-        <p:cNvGrpSpPr/>
-        <p:nvPr/>
-      </p:nvGrpSpPr>
-      <p:grpSpPr>
-        <a:xfrm>
-          <a:off x="0" y="0"/>
-          <a:ext cx="0" cy="0"/>
-          <a:chOff x="0" y="0"/>
-          <a:chExt cx="0" cy="0"/>
-        </a:xfrm>
-      </p:grpSpPr>
-      <p:sp>
-        <p:nvSpPr>
-          <p:cNvPr id="17410" name="Rectangle 2"/>
-          <p:cNvSpPr>
-            <a:spLocks noGrp="1" noChangeArrowheads="1"/>
-          </p:cNvSpPr>
-          <p:nvPr>
-            <p:ph type="title"/>
-          </p:nvPr>
-        </p:nvSpPr>
-        <p:spPr/>
-        <p:txBody>
-          <a:bodyPr/>
-          <a:lstStyle/>
-          <a:p>
-            <a:r>
-              <a:rPr lang="en-US" altLang="en-US" dirty="0">
-                <a:latin typeface="Arial" charset="0"/>
-                <a:cs typeface="Arial" charset="0"/>
-              </a:rPr>
-              <a:t>AVL Trees</a:t>
-            </a:r>
-          </a:p>
-        </p:txBody>
-      </p:sp>
-      <p:sp>
-        <p:nvSpPr>
-          <p:cNvPr id="17411" name="Rectangle 3"/>
-          <p:cNvSpPr>
-            <a:spLocks noGrp="1" noChangeArrowheads="1"/>
-          </p:cNvSpPr>
-          <p:nvPr>
-            <p:ph type="body" idx="1"/>
-          </p:nvPr>
-        </p:nvSpPr>
-        <p:spPr/>
-        <p:txBody>
-          <a:bodyPr/>
-          <a:lstStyle/>
-          <a:p>
-            <a:pPr>
-              <a:buFont typeface="Arial" charset="0"/>
-              <a:buNone/>
-            </a:pPr>
-            <a:r>
-              <a:rPr lang="en-US" altLang="en-US" dirty="0">
-                <a:latin typeface="Arial" charset="0"/>
-                <a:cs typeface="Arial" charset="0"/>
-              </a:rPr>
-              <a:t>	We could simply insert the objects into an AVL tree where the order is given by the stated priority:</a:t>
-            </a:r>
-          </a:p>
-          <a:p>
-            <a:pPr lvl="1"/>
-            <a:r>
-              <a:rPr lang="en-US" altLang="en-US" dirty="0">
-                <a:latin typeface="Arial" charset="0"/>
-                <a:cs typeface="Arial" charset="0"/>
-              </a:rPr>
-              <a:t>Insertion is </a:t>
-            </a:r>
-            <a:r>
-              <a:rPr lang="en-US" altLang="en-US" b="1" dirty="0">
-                <a:latin typeface="Symbol" pitchFamily="18" charset="2"/>
-                <a:cs typeface="Times New Roman" pitchFamily="18" charset="0"/>
-              </a:rPr>
-              <a:t>Q</a:t>
-            </a:r>
-            <a:r>
-              <a:rPr lang="en-US" altLang="en-US" dirty="0">
-                <a:latin typeface="Times New Roman" pitchFamily="18" charset="0"/>
-                <a:cs typeface="Times New Roman" pitchFamily="18" charset="0"/>
-              </a:rPr>
-              <a:t>(ln(</a:t>
-            </a:r>
-            <a:r>
-              <a:rPr lang="en-US" altLang="en-US" i="1" dirty="0">
-                <a:latin typeface="Times New Roman" pitchFamily="18" charset="0"/>
-                <a:cs typeface="Times New Roman" pitchFamily="18" charset="0"/>
-              </a:rPr>
-              <a:t>n</a:t>
-            </a:r>
-            <a:r>
-              <a:rPr lang="en-US" altLang="en-US" dirty="0">
-                <a:latin typeface="Times New Roman" pitchFamily="18" charset="0"/>
-                <a:cs typeface="Times New Roman" pitchFamily="18" charset="0"/>
-              </a:rPr>
-              <a:t>))		</a:t>
-            </a:r>
-            <a:r>
-              <a:rPr lang="en-US" altLang="en-US" sz="1600" dirty="0">
-                <a:latin typeface="Consolas" pitchFamily="49" charset="0"/>
-                <a:cs typeface="Times New Roman" pitchFamily="18" charset="0"/>
-              </a:rPr>
-              <a:t>void insert( Type const &amp; );</a:t>
-            </a:r>
-            <a:endParaRPr lang="en-US" altLang="en-US" dirty="0">
-              <a:latin typeface="Arial" charset="0"/>
-              <a:cs typeface="Arial" charset="0"/>
-            </a:endParaRPr>
-          </a:p>
-          <a:p>
-            <a:pPr lvl="1"/>
-            <a:r>
-              <a:rPr lang="en-US" altLang="en-US" dirty="0">
-                <a:latin typeface="Arial" charset="0"/>
-                <a:cs typeface="Arial" charset="0"/>
-              </a:rPr>
-              <a:t>Top is </a:t>
-            </a:r>
-            <a:r>
-              <a:rPr lang="en-US" altLang="en-US" b="1" dirty="0">
-                <a:latin typeface="Symbol" pitchFamily="18" charset="2"/>
-                <a:cs typeface="Times New Roman" pitchFamily="18" charset="0"/>
-              </a:rPr>
-              <a:t>Q</a:t>
-            </a:r>
-            <a:r>
-              <a:rPr lang="en-US" altLang="en-US" dirty="0">
-                <a:latin typeface="Times New Roman" pitchFamily="18" charset="0"/>
-                <a:cs typeface="Times New Roman" pitchFamily="18" charset="0"/>
-              </a:rPr>
-              <a:t>(ln(</a:t>
-            </a:r>
-            <a:r>
-              <a:rPr lang="en-US" altLang="en-US" i="1" dirty="0">
-                <a:latin typeface="Times New Roman" pitchFamily="18" charset="0"/>
-                <a:cs typeface="Times New Roman" pitchFamily="18" charset="0"/>
-              </a:rPr>
-              <a:t>n</a:t>
-            </a:r>
-            <a:r>
-              <a:rPr lang="en-US" altLang="en-US" dirty="0">
-                <a:latin typeface="Times New Roman" pitchFamily="18" charset="0"/>
-                <a:cs typeface="Times New Roman" pitchFamily="18" charset="0"/>
-              </a:rPr>
-              <a:t>))		            </a:t>
-            </a:r>
-            <a:r>
-              <a:rPr lang="en-US" altLang="en-US" sz="1600" dirty="0">
-                <a:solidFill>
-                  <a:srgbClr val="000000"/>
-                </a:solidFill>
-                <a:latin typeface="Consolas" pitchFamily="49" charset="0"/>
-                <a:cs typeface="Times New Roman" pitchFamily="18" charset="0"/>
-              </a:rPr>
-              <a:t>Type front();</a:t>
-            </a:r>
-            <a:endParaRPr lang="en-US" altLang="en-US" dirty="0">
-              <a:latin typeface="Arial" charset="0"/>
-              <a:cs typeface="Arial" charset="0"/>
-            </a:endParaRPr>
-          </a:p>
-          <a:p>
-            <a:pPr lvl="1"/>
-            <a:r>
-              <a:rPr lang="en-US" altLang="en-US" dirty="0">
-                <a:latin typeface="Arial" charset="0"/>
-                <a:cs typeface="Arial" charset="0"/>
-              </a:rPr>
-              <a:t>Remove is </a:t>
-            </a:r>
-            <a:r>
-              <a:rPr lang="en-US" altLang="en-US" b="1" dirty="0">
-                <a:latin typeface="Symbol" pitchFamily="18" charset="2"/>
-                <a:cs typeface="Times New Roman" pitchFamily="18" charset="0"/>
-              </a:rPr>
-              <a:t>Q</a:t>
-            </a:r>
-            <a:r>
-              <a:rPr lang="en-US" altLang="en-US" dirty="0">
-                <a:latin typeface="Times New Roman" pitchFamily="18" charset="0"/>
-                <a:cs typeface="Times New Roman" pitchFamily="18" charset="0"/>
-              </a:rPr>
-              <a:t>(ln(</a:t>
-            </a:r>
-            <a:r>
-              <a:rPr lang="en-US" altLang="en-US" i="1" dirty="0">
-                <a:latin typeface="Times New Roman" pitchFamily="18" charset="0"/>
-                <a:cs typeface="Times New Roman" pitchFamily="18" charset="0"/>
-              </a:rPr>
-              <a:t>n</a:t>
-            </a:r>
-            <a:r>
-              <a:rPr lang="en-US" altLang="en-US" dirty="0">
-                <a:latin typeface="Times New Roman" pitchFamily="18" charset="0"/>
-                <a:cs typeface="Times New Roman" pitchFamily="18" charset="0"/>
-              </a:rPr>
-              <a:t>))</a:t>
-            </a:r>
-            <a:r>
-              <a:rPr lang="en-US" altLang="en-US" dirty="0">
-                <a:solidFill>
-                  <a:srgbClr val="000000"/>
-                </a:solidFill>
-                <a:latin typeface="Times New Roman" pitchFamily="18" charset="0"/>
-                <a:cs typeface="Times New Roman" pitchFamily="18" charset="0"/>
-              </a:rPr>
-              <a:t> 		</a:t>
-            </a:r>
-            <a:r>
-              <a:rPr lang="en-US" altLang="en-US" sz="1600" dirty="0">
-                <a:solidFill>
-                  <a:srgbClr val="000000"/>
-                </a:solidFill>
-                <a:latin typeface="Consolas" pitchFamily="49" charset="0"/>
-                <a:cs typeface="Times New Roman" pitchFamily="18" charset="0"/>
-              </a:rPr>
-              <a:t>bool remove( front() );</a:t>
-            </a:r>
-          </a:p>
-          <a:p>
-            <a:pPr>
-              <a:buFont typeface="Arial" charset="0"/>
-              <a:buNone/>
-            </a:pPr>
-            <a:endParaRPr lang="en-US" altLang="en-US" dirty="0">
-              <a:latin typeface="Arial" charset="0"/>
-              <a:cs typeface="Arial" charset="0"/>
-            </a:endParaRPr>
-          </a:p>
-          <a:p>
-            <a:pPr>
-              <a:buFont typeface="Arial" charset="0"/>
-              <a:buNone/>
-            </a:pPr>
-            <a:r>
-              <a:rPr lang="en-US" altLang="en-US" dirty="0">
-                <a:latin typeface="Arial" charset="0"/>
-                <a:cs typeface="Arial" charset="0"/>
-              </a:rPr>
-              <a:t>	There is significant overhead for maintaining both the tree and the corresponding balance</a:t>
-            </a:r>
-          </a:p>
-          <a:p>
-            <a:pPr lvl="1"/>
-            <a:endParaRPr lang="en-US" altLang="en-US" dirty="0">
-              <a:latin typeface="Arial" charset="0"/>
-              <a:cs typeface="Arial" charset="0"/>
-            </a:endParaRPr>
-          </a:p>
-          <a:p>
-            <a:pPr lvl="1"/>
-            <a:endParaRPr lang="en-US" altLang="en-US" dirty="0">
-              <a:latin typeface="Arial" charset="0"/>
-              <a:cs typeface="Arial" charset="0"/>
-            </a:endParaRPr>
-          </a:p>
-        </p:txBody>
-      </p:sp>
-    </p:spTree>
-  </p:cSld>
-  <p:clrMapOvr>
-    <a:masterClrMapping/>
-  </p:clrMapOvr>
-</p:sld>
-</file>
-
-<file path=ppt/slides/slide15.xml><?xml version="1.0" encoding="utf-8"?>
 <p:sld xmlns:a="http://schemas.openxmlformats.org/drawingml/2006/main" xmlns:r="http://schemas.openxmlformats.org/officeDocument/2006/relationships" xmlns:p="http://schemas.openxmlformats.org/presentationml/2006/main">
   <p:cSld>
     <p:spTree>
@@ -9740,7 +9450,7 @@
 </p:sld>
 </file>
 
-<file path=ppt/slides/slide16.xml><?xml version="1.0" encoding="utf-8"?>
+<file path=ppt/slides/slide15.xml><?xml version="1.0" encoding="utf-8"?>
 <p:sld xmlns:a="http://schemas.openxmlformats.org/drawingml/2006/main" xmlns:r="http://schemas.openxmlformats.org/officeDocument/2006/relationships" xmlns:p="http://schemas.openxmlformats.org/presentationml/2006/main">
   <p:cSld>
     <p:spTree>
@@ -11482,63 +11192,9 @@
           <a:chExt cx="0" cy="0"/>
         </a:xfrm>
       </p:grpSpPr>
-      <p:pic>
-        <p:nvPicPr>
-          <p:cNvPr id="11266" name="Picture 4" descr="untitled"/>
-          <p:cNvPicPr>
-            <a:picLocks noChangeAspect="1" noChangeArrowheads="1"/>
-          </p:cNvPicPr>
-          <p:nvPr/>
-        </p:nvPicPr>
-        <p:blipFill>
-          <a:blip r:embed="rId3">
-            <a:extLst>
-              <a:ext uri="{28A0092B-C50C-407E-A947-70E740481C1C}">
-                <a14:useLocalDpi xmlns:a14="http://schemas.microsoft.com/office/drawing/2010/main" val="0"/>
-              </a:ext>
-            </a:extLst>
-          </a:blip>
-          <a:srcRect/>
-          <a:stretch>
-            <a:fillRect/>
-          </a:stretch>
-        </p:blipFill>
-        <p:spPr bwMode="auto">
-          <a:xfrm>
-            <a:off x="5497514" y="1341438"/>
-            <a:ext cx="5062537" cy="5403850"/>
-          </a:xfrm>
-          <a:prstGeom prst="rect">
-            <a:avLst/>
-          </a:prstGeom>
-          <a:noFill/>
-          <a:ln>
-            <a:noFill/>
-          </a:ln>
-          <a:extLst>
-            <a:ext uri="{909E8E84-426E-40DD-AFC4-6F175D3DCCD1}">
-              <a14:hiddenFill xmlns:a14="http://schemas.microsoft.com/office/drawing/2010/main">
-                <a:solidFill>
-                  <a:srgbClr val="FFFFFF"/>
-                </a:solidFill>
-              </a14:hiddenFill>
-            </a:ext>
-            <a:ext uri="{91240B29-F687-4F45-9708-019B960494DF}">
-              <a14:hiddenLine xmlns:a14="http://schemas.microsoft.com/office/drawing/2010/main" w="9525">
-                <a:solidFill>
-                  <a:srgbClr val="000000"/>
-                </a:solidFill>
-                <a:miter lim="800000"/>
-                <a:headEnd/>
-                <a:tailEnd/>
-              </a14:hiddenLine>
-            </a:ext>
-          </a:extLst>
-        </p:spPr>
-      </p:pic>
-      <p:sp>
-        <p:nvSpPr>
-          <p:cNvPr id="11267" name="Rectangle 2"/>
+      <p:sp>
+        <p:nvSpPr>
+          <p:cNvPr id="12290" name="Rectangle 2"/>
           <p:cNvSpPr>
             <a:spLocks noGrp="1" noChangeArrowheads="1"/>
           </p:cNvSpPr>
@@ -11556,14 +11212,14 @@
                 <a:latin typeface="Arial" charset="0"/>
                 <a:cs typeface="Arial" charset="0"/>
               </a:rPr>
-              <a:t>Process Priority in Windows</a:t>
-            </a:r>
-          </a:p>
-        </p:txBody>
-      </p:sp>
-      <p:sp>
-        <p:nvSpPr>
-          <p:cNvPr id="11268" name="Rectangle 3"/>
+              <a:t>Implementations</a:t>
+            </a:r>
+          </a:p>
+        </p:txBody>
+      </p:sp>
+      <p:sp>
+        <p:nvSpPr>
+          <p:cNvPr id="12291" name="Rectangle 3"/>
           <p:cNvSpPr>
             <a:spLocks noGrp="1" noChangeArrowheads="1"/>
           </p:cNvSpPr>
@@ -11571,12 +11227,7 @@
             <p:ph type="body" idx="1"/>
           </p:nvPr>
         </p:nvSpPr>
-        <p:spPr>
-          <a:xfrm>
-            <a:off x="838200" y="1466849"/>
-            <a:ext cx="4446864" cy="4710113"/>
-          </a:xfrm>
-        </p:spPr>
+        <p:spPr/>
         <p:txBody>
           <a:bodyPr/>
           <a:lstStyle/>
@@ -11590,15 +11241,99 @@
                 <a:latin typeface="Arial" charset="0"/>
                 <a:cs typeface="Arial" charset="0"/>
               </a:rPr>
-              <a:t>	The priority of processes in Windows may be set in the </a:t>
-            </a:r>
-            <a:r>
-              <a:rPr lang="en-US" altLang="en-US" i="1" dirty="0">
-                <a:latin typeface="Arial" charset="0"/>
-                <a:cs typeface="Arial" charset="0"/>
-              </a:rPr>
-              <a:t>Windows Task Manager</a:t>
-            </a:r>
+              <a:t>	Our goal is to make the run time of each operation as close to </a:t>
+            </a:r>
+            <a:r>
+              <a:rPr lang="en-US" altLang="en-US" b="1" dirty="0">
+                <a:latin typeface="Symbol" pitchFamily="18" charset="2"/>
+                <a:cs typeface="Times New Roman" pitchFamily="18" charset="0"/>
+              </a:rPr>
+              <a:t>Q</a:t>
+            </a:r>
+            <a:r>
+              <a:rPr lang="en-US" altLang="en-US" dirty="0">
+                <a:latin typeface="Times New Roman" pitchFamily="18" charset="0"/>
+                <a:cs typeface="Times New Roman" pitchFamily="18" charset="0"/>
+              </a:rPr>
+              <a:t>(1)</a:t>
+            </a:r>
+            <a:r>
+              <a:rPr lang="en-US" altLang="en-US" dirty="0">
+                <a:latin typeface="Arial" charset="0"/>
+                <a:cs typeface="Arial" charset="0"/>
+              </a:rPr>
+              <a:t> as possible</a:t>
+            </a:r>
+          </a:p>
+          <a:p>
+            <a:pPr>
+              <a:buFont typeface="Arial" charset="0"/>
+              <a:buNone/>
+            </a:pPr>
+            <a:endParaRPr lang="en-US" altLang="en-US" dirty="0">
+              <a:latin typeface="Arial" charset="0"/>
+              <a:cs typeface="Arial" charset="0"/>
+            </a:endParaRPr>
+          </a:p>
+          <a:p>
+            <a:pPr>
+              <a:buFont typeface="Arial" charset="0"/>
+              <a:buNone/>
+            </a:pPr>
+            <a:r>
+              <a:rPr lang="en-US" altLang="en-US" dirty="0">
+                <a:latin typeface="Arial" charset="0"/>
+                <a:cs typeface="Arial" charset="0"/>
+              </a:rPr>
+              <a:t>	We will look at two implementations using data structures we already know:</a:t>
+            </a:r>
+          </a:p>
+          <a:p>
+            <a:pPr lvl="1"/>
+            <a:r>
+              <a:rPr lang="en-US" altLang="en-US" dirty="0">
+                <a:latin typeface="Arial" charset="0"/>
+                <a:cs typeface="Arial" charset="0"/>
+              </a:rPr>
+              <a:t>Multiple queues—one for each priority</a:t>
+            </a:r>
+          </a:p>
+          <a:p>
+            <a:pPr lvl="1"/>
+            <a:r>
+              <a:rPr lang="en-US" altLang="en-US" dirty="0">
+                <a:latin typeface="Arial" charset="0"/>
+                <a:cs typeface="Arial" charset="0"/>
+              </a:rPr>
+              <a:t>An AVL tree</a:t>
+            </a:r>
+          </a:p>
+          <a:p>
+            <a:pPr>
+              <a:buFont typeface="Arial" charset="0"/>
+              <a:buNone/>
+            </a:pPr>
+            <a:endParaRPr lang="en-US" altLang="en-US" dirty="0">
+              <a:latin typeface="Arial" charset="0"/>
+              <a:cs typeface="Arial" charset="0"/>
+            </a:endParaRPr>
+          </a:p>
+          <a:p>
+            <a:pPr>
+              <a:buFont typeface="Arial" charset="0"/>
+              <a:buNone/>
+            </a:pPr>
+            <a:r>
+              <a:rPr lang="en-US" altLang="en-US" dirty="0">
+                <a:latin typeface="Arial" charset="0"/>
+                <a:cs typeface="Arial" charset="0"/>
+              </a:rPr>
+              <a:t>	The next topic will be a more appropriate data structure:  the heap</a:t>
+            </a:r>
+            <a:endParaRPr lang="en-US" altLang="en-US" dirty="0">
+              <a:latin typeface="Courier New" pitchFamily="49" charset="0"/>
+              <a:cs typeface="Arial" charset="0"/>
+            </a:endParaRPr>
           </a:p>
         </p:txBody>
       </p:sp>
@@ -11629,98 +11364,80 @@
       </p:grpSpPr>
       <p:sp>
         <p:nvSpPr>
-          <p:cNvPr id="12290" name="Rectangle 2"/>
+          <p:cNvPr id="13314" name="Rectangle 2"/>
           <p:cNvSpPr>
             <a:spLocks noGrp="1" noChangeArrowheads="1"/>
           </p:cNvSpPr>
           <p:nvPr>
-            <p:ph type="title"/>
-          </p:nvPr>
-        </p:nvSpPr>
-        <p:spPr/>
+            <p:ph type="title" idx="4294967295"/>
+          </p:nvPr>
+        </p:nvSpPr>
+        <p:spPr>
+          <a:xfrm>
+            <a:off x="838200" y="265176"/>
+            <a:ext cx="10515600" cy="1006475"/>
+          </a:xfrm>
+        </p:spPr>
+        <p:txBody>
+          <a:bodyPr>
+            <a:normAutofit/>
+          </a:bodyPr>
+          <a:lstStyle/>
+          <a:p>
+            <a:r>
+              <a:rPr lang="en-US" altLang="en-US" sz="4000" b="1" dirty="0">
+                <a:latin typeface="Arial" charset="0"/>
+                <a:cs typeface="Arial" charset="0"/>
+              </a:rPr>
+              <a:t>Multiple Queues</a:t>
+            </a:r>
+          </a:p>
+        </p:txBody>
+      </p:sp>
+      <p:sp>
+        <p:nvSpPr>
+          <p:cNvPr id="13315" name="Rectangle 3"/>
+          <p:cNvSpPr>
+            <a:spLocks noGrp="1" noChangeArrowheads="1"/>
+          </p:cNvSpPr>
+          <p:nvPr>
+            <p:ph type="body" idx="4294967295"/>
+          </p:nvPr>
+        </p:nvSpPr>
+        <p:spPr>
+          <a:xfrm>
+            <a:off x="838200" y="1463040"/>
+            <a:ext cx="10515600" cy="4776784"/>
+          </a:xfrm>
+        </p:spPr>
         <p:txBody>
           <a:bodyPr/>
           <a:lstStyle/>
           <a:p>
-            <a:r>
-              <a:rPr lang="en-US" altLang="en-US">
-                <a:latin typeface="Arial" charset="0"/>
-                <a:cs typeface="Arial" charset="0"/>
-              </a:rPr>
-              <a:t>Implementations</a:t>
-            </a:r>
-          </a:p>
-        </p:txBody>
-      </p:sp>
-      <p:sp>
-        <p:nvSpPr>
-          <p:cNvPr id="12291" name="Rectangle 3"/>
-          <p:cNvSpPr>
-            <a:spLocks noGrp="1" noChangeArrowheads="1"/>
-          </p:cNvSpPr>
-          <p:nvPr>
-            <p:ph type="body" idx="1"/>
-          </p:nvPr>
-        </p:nvSpPr>
-        <p:spPr/>
-        <p:txBody>
-          <a:bodyPr/>
-          <a:lstStyle/>
-          <a:p>
             <a:pPr>
               <a:buFont typeface="Arial" charset="0"/>
               <a:buNone/>
             </a:pPr>
             <a:r>
-              <a:rPr lang="en-US" altLang="en-US" dirty="0">
-                <a:latin typeface="Arial" charset="0"/>
-                <a:cs typeface="Arial" charset="0"/>
-              </a:rPr>
-              <a:t>	Our goal is to make the run time of each operation as close to </a:t>
-            </a:r>
-            <a:r>
-              <a:rPr lang="en-US" altLang="en-US" b="1" dirty="0">
-                <a:latin typeface="Symbol" pitchFamily="18" charset="2"/>
-                <a:cs typeface="Times New Roman" pitchFamily="18" charset="0"/>
-              </a:rPr>
-              <a:t>Q</a:t>
-            </a:r>
-            <a:r>
-              <a:rPr lang="en-US" altLang="en-US" dirty="0">
+              <a:rPr lang="en-US" altLang="en-US" sz="2400" dirty="0">
+                <a:latin typeface="Arial" charset="0"/>
+                <a:cs typeface="Arial" charset="0"/>
+              </a:rPr>
+              <a:t>	</a:t>
+            </a:r>
+            <a:r>
+              <a:rPr lang="en-US" altLang="en-US" dirty="0">
+                <a:latin typeface="Arial" charset="0"/>
+                <a:cs typeface="Arial" charset="0"/>
+              </a:rPr>
+              <a:t>Assume there is a fixed number of priorities, say </a:t>
+            </a:r>
+            <a:r>
+              <a:rPr lang="en-US" altLang="en-US" i="1" dirty="0">
                 <a:latin typeface="Times New Roman" pitchFamily="18" charset="0"/>
-                <a:cs typeface="Times New Roman" pitchFamily="18" charset="0"/>
-              </a:rPr>
-              <a:t>(1)</a:t>
-            </a:r>
-            <a:r>
-              <a:rPr lang="en-US" altLang="en-US" dirty="0">
-                <a:latin typeface="Arial" charset="0"/>
-                <a:cs typeface="Arial" charset="0"/>
-              </a:rPr>
-              <a:t> as possible</a:t>
-            </a:r>
-          </a:p>
-          <a:p>
-            <a:pPr>
-              <a:buFont typeface="Arial" charset="0"/>
-              <a:buNone/>
-            </a:pPr>
-            <a:endParaRPr lang="en-US" altLang="en-US" dirty="0">
-              <a:latin typeface="Arial" charset="0"/>
-              <a:cs typeface="Arial" charset="0"/>
-            </a:endParaRPr>
-          </a:p>
-          <a:p>
-            <a:pPr>
-              <a:buFont typeface="Arial" charset="0"/>
-              <a:buNone/>
-            </a:pPr>
-            <a:r>
-              <a:rPr lang="en-US" altLang="en-US" dirty="0">
-                <a:latin typeface="Arial" charset="0"/>
-                <a:cs typeface="Arial" charset="0"/>
-              </a:rPr>
-              <a:t>	We will look at two implementations using data structures we already know:</a:t>
+                <a:cs typeface="Arial" charset="0"/>
+              </a:rPr>
+              <a:t>M</a:t>
             </a:r>
           </a:p>
           <a:p>
@@ -11730,7 +11447,21 @@
                 <a:latin typeface="Arial" charset="0"/>
                 <a:cs typeface="Arial" charset="0"/>
               </a:rPr>
-              <a:t>Multiple queues—one for each priority</a:t>
+              <a:t>Create an array of </a:t>
+            </a:r>
+            <a:r>
+              <a:rPr lang="en-US" altLang="en-US" i="1" dirty="0">
+                <a:latin typeface="Times New Roman" pitchFamily="18" charset="0"/>
+                <a:cs typeface="Arial" charset="0"/>
+              </a:rPr>
+              <a:t>M</a:t>
+            </a:r>
+            <a:r>
+              <a:rPr lang="en-US" altLang="en-US" dirty="0">
+                <a:latin typeface="Arial" charset="0"/>
+                <a:cs typeface="Arial" charset="0"/>
+              </a:rPr>
+              <a:t> queues</a:t>
             </a:r>
           </a:p>
           <a:p>
@@ -11740,35 +11471,18 @@
                 <a:latin typeface="Arial" charset="0"/>
                 <a:cs typeface="Arial" charset="0"/>
               </a:rPr>
-              <a:t>An AVL tree</a:t>
-            </a:r>
-          </a:p>
-          <a:p>
-            <a:pPr>
-              <a:buFont typeface="Arial" charset="0"/>
-              <a:buNone/>
-            </a:pPr>
-            <a:endParaRPr lang="en-US" altLang="en-US" dirty="0">
-              <a:latin typeface="Arial" charset="0"/>
-              <a:cs typeface="Arial" charset="0"/>
-            </a:endParaRPr>
-          </a:p>
-          <a:p>
-            <a:pPr>
-              <a:buFont typeface="Arial" charset="0"/>
-              <a:buNone/>
-            </a:pPr>
-            <a:r>
-              <a:rPr lang="en-US" altLang="en-US" dirty="0">
-                <a:latin typeface="Arial" charset="0"/>
-                <a:cs typeface="Arial" charset="0"/>
-              </a:rPr>
-              <a:t>	The next topic will be a more appropriate data structure:  the heap</a:t>
-            </a:r>
-            <a:endParaRPr lang="en-US" altLang="en-US" dirty="0">
-              <a:latin typeface="Courier New" pitchFamily="49" charset="0"/>
-              <a:cs typeface="Arial" charset="0"/>
-            </a:endParaRPr>
+              <a:t>Push a new object onto the queue corresponding to the priority</a:t>
+            </a:r>
+          </a:p>
+          <a:p>
+            <a:pPr lvl="1"/>
+            <a:r>
+              <a:rPr lang="en-US" altLang="en-US" dirty="0">
+                <a:latin typeface="Arial" charset="0"/>
+                <a:cs typeface="Arial" charset="0"/>
+              </a:rPr>
+              <a:t>Top and pop find the first empty queue with highest priority</a:t>
+            </a:r>
           </a:p>
         </p:txBody>
       </p:sp>
